--- a/documents/entity/4_Образ_проекта.pptx
+++ b/documents/entity/4_Образ_проекта.pptx
@@ -16,20 +16,6 @@
   </p:sldIdLst>
   <p:sldSz cx="12192000" cy="6858000"/>
   <p:notesSz cx="6858000" cy="9144000"/>
-  <p:embeddedFontLst>
-    <p:embeddedFont>
-      <p:font typeface="Calibri" panose="020F0502020204030204" pitchFamily="34" charset="0"/>
-      <p:regular r:id="rId8"/>
-      <p:bold r:id="rId9"/>
-      <p:italic r:id="rId10"/>
-      <p:boldItalic r:id="rId11"/>
-    </p:embeddedFont>
-    <p:embeddedFont>
-      <p:font typeface="Calibri Light" panose="020F0302020204030204" pitchFamily="34" charset="0"/>
-      <p:regular r:id="rId12"/>
-      <p:italic r:id="rId13"/>
-    </p:embeddedFont>
-  </p:embeddedFontLst>
   <p:defaultTextStyle>
     <a:defPPr>
       <a:defRPr lang="ru-RU"/>
@@ -145,6 +131,14 @@
     </p:ext>
   </p:extLst>
 </p:presentation>
+</file>
+
+<file path=ppt/revisionInfo.xml><?xml version="1.0" encoding="utf-8"?>
+<p1510:revInfo xmlns:a="http://schemas.openxmlformats.org/drawingml/2006/main" xmlns:r="http://schemas.openxmlformats.org/officeDocument/2006/relationships" xmlns:p1510="http://schemas.microsoft.com/office/powerpoint/2015/10/main">
+  <p1510:revLst>
+    <p1510:client id="{F93E40B3-D1F2-4FFA-B0E8-6480F34BBD31}" v="1241" dt="2024-02-25T13:22:21.690"/>
+  </p1510:revLst>
+</p1510:revInfo>
 </file>
 
 <file path=ppt/notesMasters/notesMaster1.xml><?xml version="1.0" encoding="utf-8"?>
@@ -6809,7 +6803,7 @@
           <p:nvPr>
             <p:extLst>
               <p:ext uri="{D42A27DB-BD31-4B8C-83A1-F6EECF244321}">
-                <p14:modId xmlns:p14="http://schemas.microsoft.com/office/powerpoint/2010/main" val="327001170"/>
+                <p14:modId xmlns:p14="http://schemas.microsoft.com/office/powerpoint/2010/main" val="201087419"/>
               </p:ext>
             </p:extLst>
           </p:nvPr>
@@ -6857,14 +6851,14 @@
                         <a:buNone/>
                       </a:pPr>
                       <a:r>
-                        <a:rPr lang="ru-RU" sz="1000" b="1">
+                        <a:rPr lang="ru-RU" sz="1000" b="1" dirty="0">
                           <a:solidFill>
                             <a:schemeClr val="lt1"/>
                           </a:solidFill>
                         </a:rPr>
                         <a:t>Боли</a:t>
                       </a:r>
-                      <a:endParaRPr sz="1000" b="1">
+                      <a:endParaRPr sz="1000" b="1" dirty="0">
                         <a:solidFill>
                           <a:schemeClr val="lt1"/>
                         </a:solidFill>
@@ -6928,14 +6922,14 @@
                         <a:buNone/>
                       </a:pPr>
                       <a:r>
-                        <a:rPr lang="ru-RU" sz="1000" b="1">
+                        <a:rPr lang="ru-RU" sz="1000" b="1" dirty="0">
                           <a:solidFill>
                             <a:schemeClr val="lt1"/>
                           </a:solidFill>
                         </a:rPr>
                         <a:t>Решение</a:t>
                       </a:r>
-                      <a:endParaRPr sz="1000" b="1">
+                      <a:endParaRPr sz="1000" b="1" dirty="0">
                         <a:solidFill>
                           <a:schemeClr val="lt1"/>
                         </a:solidFill>
@@ -7006,10 +7000,10 @@
                         <a:buNone/>
                       </a:pPr>
                       <a:r>
-                        <a:rPr lang="ru-RU" sz="1000" i="1" dirty="0"/>
+                        <a:rPr lang="ru-RU" sz="1000" i="0" dirty="0"/>
                         <a:t>Глубоко</a:t>
                       </a:r>
-                      <a:endParaRPr sz="1000" i="1" dirty="0"/>
+                      <a:endParaRPr sz="1000" i="0" dirty="0"/>
                     </a:p>
                   </a:txBody>
                   <a:tcPr marL="91425" marR="91425" marT="91425" marB="91425">
@@ -7202,10 +7196,10 @@
                         <a:buNone/>
                       </a:pPr>
                       <a:r>
-                        <a:rPr lang="ru-RU" sz="1000"/>
+                        <a:rPr lang="ru-RU" sz="1000" dirty="0"/>
                         <a:t>Погружай дрон</a:t>
                       </a:r>
-                      <a:endParaRPr sz="1000"/>
+                      <a:endParaRPr sz="1000" dirty="0"/>
                     </a:p>
                   </a:txBody>
                   <a:tcPr marL="91425" marR="91425" marT="91425" marB="91425">
@@ -7271,7 +7265,11 @@
                         </a:spcAft>
                         <a:buNone/>
                       </a:pPr>
-                      <a:endParaRPr sz="1000"/>
+                      <a:r>
+                        <a:rPr lang="ru-RU" sz="1000" dirty="0"/>
+                        <a:t>Требуется длительное погружение</a:t>
+                      </a:r>
+                      <a:endParaRPr sz="1000" dirty="0"/>
                     </a:p>
                   </a:txBody>
                   <a:tcPr marL="91425" marR="91425" marT="91425" marB="91425">
@@ -7330,7 +7328,11 @@
                         </a:spcAft>
                         <a:buNone/>
                       </a:pPr>
-                      <a:endParaRPr sz="1000"/>
+                      <a:r>
+                        <a:rPr lang="ru-RU" sz="1000" dirty="0"/>
+                        <a:t>Погружай дрон</a:t>
+                      </a:r>
+                      <a:endParaRPr sz="1000" dirty="0"/>
                     </a:p>
                   </a:txBody>
                   <a:tcPr marL="91425" marR="91425" marT="91425" marB="91425">
@@ -7396,7 +7398,11 @@
                         </a:spcAft>
                         <a:buNone/>
                       </a:pPr>
-                      <a:endParaRPr sz="1000"/>
+                      <a:r>
+                        <a:rPr lang="ru-RU" sz="1000" dirty="0"/>
+                        <a:t>Не удается зафиксировать все нужное</a:t>
+                      </a:r>
+                      <a:endParaRPr sz="1000" dirty="0"/>
                     </a:p>
                   </a:txBody>
                   <a:tcPr marL="91425" marR="91425" marT="91425" marB="91425">
@@ -7455,7 +7461,11 @@
                         </a:spcAft>
                         <a:buNone/>
                       </a:pPr>
-                      <a:endParaRPr sz="1000"/>
+                      <a:r>
+                        <a:rPr lang="ru-RU" sz="1000" dirty="0"/>
+                        <a:t>Погружай дрон</a:t>
+                      </a:r>
+                      <a:endParaRPr sz="1000" dirty="0"/>
                     </a:p>
                   </a:txBody>
                   <a:tcPr marL="91425" marR="91425" marT="91425" marB="91425">
@@ -7521,7 +7531,11 @@
                         </a:spcAft>
                         <a:buNone/>
                       </a:pPr>
-                      <a:endParaRPr sz="1000"/>
+                      <a:r>
+                        <a:rPr lang="ru-RU" sz="1000" dirty="0"/>
+                        <a:t>Нужны исследовательские материалы</a:t>
+                      </a:r>
+                      <a:endParaRPr sz="1000" dirty="0"/>
                     </a:p>
                   </a:txBody>
                   <a:tcPr marL="91425" marR="91425" marT="91425" marB="91425">
@@ -7580,6 +7594,10 @@
                         </a:spcAft>
                         <a:buNone/>
                       </a:pPr>
+                      <a:r>
+                        <a:rPr lang="ru-RU" sz="1000" dirty="0"/>
+                        <a:t>Погружай дрон</a:t>
+                      </a:r>
                       <a:endParaRPr sz="1000" dirty="0"/>
                     </a:p>
                   </a:txBody>
@@ -7763,6 +7781,154 @@
           </a:extLst>
         </p:spPr>
       </p:pic>
+      <p:pic>
+        <p:nvPicPr>
+          <p:cNvPr id="2" name="Рисунок 1" descr="Presenting the Blueye Pioneer Underwater Drone - YouTube">
+            <a:extLst>
+              <a:ext uri="{FF2B5EF4-FFF2-40B4-BE49-F238E27FC236}">
+                <a16:creationId xmlns:a16="http://schemas.microsoft.com/office/drawing/2014/main" id="{69F5250F-8961-6139-A214-4203C2B888FE}"/>
+              </a:ext>
+            </a:extLst>
+          </p:cNvPr>
+          <p:cNvPicPr>
+            <a:picLocks noChangeAspect="1"/>
+          </p:cNvPicPr>
+          <p:nvPr/>
+        </p:nvPicPr>
+        <p:blipFill>
+          <a:blip r:embed="rId5"/>
+          <a:stretch>
+            <a:fillRect/>
+          </a:stretch>
+        </p:blipFill>
+        <p:spPr>
+          <a:xfrm>
+            <a:off x="6209818" y="4779501"/>
+            <a:ext cx="2916820" cy="1639505"/>
+          </a:xfrm>
+          <a:prstGeom prst="rect">
+            <a:avLst/>
+          </a:prstGeom>
+        </p:spPr>
+      </p:pic>
+      <p:pic>
+        <p:nvPicPr>
+          <p:cNvPr id="3" name="Рисунок 2" descr="ТНПА для наблюдения - Endura - Aquabotix">
+            <a:extLst>
+              <a:ext uri="{FF2B5EF4-FFF2-40B4-BE49-F238E27FC236}">
+                <a16:creationId xmlns:a16="http://schemas.microsoft.com/office/drawing/2014/main" id="{370103B9-780B-F27B-4345-56C3EBA1C9A6}"/>
+              </a:ext>
+            </a:extLst>
+          </p:cNvPr>
+          <p:cNvPicPr>
+            <a:picLocks noChangeAspect="1"/>
+          </p:cNvPicPr>
+          <p:nvPr/>
+        </p:nvPicPr>
+        <p:blipFill>
+          <a:blip r:embed="rId6"/>
+          <a:stretch>
+            <a:fillRect/>
+          </a:stretch>
+        </p:blipFill>
+        <p:spPr>
+          <a:xfrm>
+            <a:off x="9595413" y="4782756"/>
+            <a:ext cx="2183757" cy="1632995"/>
+          </a:xfrm>
+          <a:prstGeom prst="rect">
+            <a:avLst/>
+          </a:prstGeom>
+        </p:spPr>
+      </p:pic>
+      <p:sp>
+        <p:nvSpPr>
+          <p:cNvPr id="5" name="TextBox 4">
+            <a:extLst>
+              <a:ext uri="{FF2B5EF4-FFF2-40B4-BE49-F238E27FC236}">
+                <a16:creationId xmlns:a16="http://schemas.microsoft.com/office/drawing/2014/main" id="{6D85D9C3-E57A-B693-1B2C-BE326D0D8CA8}"/>
+              </a:ext>
+            </a:extLst>
+          </p:cNvPr>
+          <p:cNvSpPr txBox="1"/>
+          <p:nvPr/>
+        </p:nvSpPr>
+        <p:spPr>
+          <a:xfrm>
+            <a:off x="6624577" y="6508830"/>
+            <a:ext cx="2096947" cy="276999"/>
+          </a:xfrm>
+          <a:prstGeom prst="rect">
+            <a:avLst/>
+          </a:prstGeom>
+          <a:noFill/>
+        </p:spPr>
+        <p:txBody>
+          <a:bodyPr rot="0" spcFirstLastPara="0" vertOverflow="overflow" horzOverflow="overflow" vert="horz" wrap="square" lIns="91440" tIns="45720" rIns="91440" bIns="45720" numCol="1" spcCol="0" rtlCol="0" fromWordArt="0" anchor="t" anchorCtr="0" forceAA="0" compatLnSpc="1">
+            <a:prstTxWarp prst="textNoShape">
+              <a:avLst/>
+            </a:prstTxWarp>
+            <a:spAutoFit/>
+          </a:bodyPr>
+          <a:lstStyle/>
+          <a:p>
+            <a:r>
+              <a:rPr lang="en-US" sz="1200">
+                <a:highlight>
+                  <a:srgbClr val="EDEBE9"/>
+                </a:highlight>
+                <a:cs typeface="Calibri"/>
+              </a:rPr>
+              <a:t>Blueye Robotics PowerDolphin</a:t>
+            </a:r>
+            <a:endParaRPr lang="ru-RU"/>
+          </a:p>
+        </p:txBody>
+      </p:sp>
+      <p:sp>
+        <p:nvSpPr>
+          <p:cNvPr id="6" name="TextBox 5">
+            <a:extLst>
+              <a:ext uri="{FF2B5EF4-FFF2-40B4-BE49-F238E27FC236}">
+                <a16:creationId xmlns:a16="http://schemas.microsoft.com/office/drawing/2014/main" id="{9F04D548-7B48-22B5-929B-1CEF1EDDDD94}"/>
+              </a:ext>
+            </a:extLst>
+          </p:cNvPr>
+          <p:cNvSpPr txBox="1"/>
+          <p:nvPr/>
+        </p:nvSpPr>
+        <p:spPr>
+          <a:xfrm>
+            <a:off x="10029463" y="6508830"/>
+            <a:ext cx="1325302" cy="276999"/>
+          </a:xfrm>
+          <a:prstGeom prst="rect">
+            <a:avLst/>
+          </a:prstGeom>
+          <a:noFill/>
+        </p:spPr>
+        <p:txBody>
+          <a:bodyPr rot="0" spcFirstLastPara="0" vertOverflow="overflow" horzOverflow="overflow" vert="horz" wrap="square" lIns="91440" tIns="45720" rIns="91440" bIns="45720" numCol="1" spcCol="0" rtlCol="0" fromWordArt="0" anchor="t" anchorCtr="0" forceAA="0" compatLnSpc="1">
+            <a:prstTxWarp prst="textNoShape">
+              <a:avLst/>
+            </a:prstTxWarp>
+            <a:spAutoFit/>
+          </a:bodyPr>
+          <a:lstStyle/>
+          <a:p>
+            <a:r>
+              <a:rPr lang="en-US" sz="1200">
+                <a:highlight>
+                  <a:srgbClr val="EDEBE9"/>
+                </a:highlight>
+                <a:cs typeface="Calibri"/>
+              </a:rPr>
+              <a:t>Aquabotix Endura</a:t>
+            </a:r>
+            <a:endParaRPr lang="ru-RU"/>
+          </a:p>
+        </p:txBody>
+      </p:sp>
     </p:spTree>
     <p:extLst>
       <p:ext uri="{BB962C8B-B14F-4D97-AF65-F5344CB8AC3E}">
@@ -7966,14 +8132,14 @@
           <p:nvPr>
             <p:extLst>
               <p:ext uri="{D42A27DB-BD31-4B8C-83A1-F6EECF244321}">
-                <p14:modId xmlns:p14="http://schemas.microsoft.com/office/powerpoint/2010/main" val="3609866394"/>
+                <p14:modId xmlns:p14="http://schemas.microsoft.com/office/powerpoint/2010/main" val="1806864388"/>
               </p:ext>
             </p:extLst>
           </p:nvPr>
         </p:nvGraphicFramePr>
         <p:xfrm>
           <a:off x="409650" y="1678001"/>
-          <a:ext cx="11373075" cy="4516880"/>
+          <a:ext cx="11373075" cy="3613504"/>
         </p:xfrm>
         <a:graphic>
           <a:graphicData uri="http://schemas.openxmlformats.org/drawingml/2006/table">
@@ -8049,14 +8215,14 @@
                         <a:buNone/>
                       </a:pPr>
                       <a:r>
-                        <a:rPr lang="ru-RU" b="1">
+                        <a:rPr lang="ru-RU" b="1" dirty="0">
                           <a:solidFill>
                             <a:schemeClr val="lt1"/>
                           </a:solidFill>
                         </a:rPr>
                         <a:t>№</a:t>
                       </a:r>
-                      <a:endParaRPr b="1">
+                      <a:endParaRPr b="1" dirty="0">
                         <a:solidFill>
                           <a:schemeClr val="lt1"/>
                         </a:solidFill>
@@ -8120,14 +8286,14 @@
                         <a:buNone/>
                       </a:pPr>
                       <a:r>
-                        <a:rPr lang="ru-RU" sz="1200" b="1">
+                        <a:rPr lang="ru-RU" sz="1200" b="1" dirty="0">
                           <a:solidFill>
                             <a:schemeClr val="lt1"/>
                           </a:solidFill>
                         </a:rPr>
                         <a:t>Название/ссылка</a:t>
                       </a:r>
-                      <a:endParaRPr sz="1200" b="1">
+                      <a:endParaRPr sz="1200" b="1" dirty="0">
                         <a:solidFill>
                           <a:schemeClr val="lt1"/>
                         </a:solidFill>
@@ -8191,14 +8357,14 @@
                         <a:buNone/>
                       </a:pPr>
                       <a:r>
-                        <a:rPr lang="ru-RU" sz="1200" b="1">
+                        <a:rPr lang="ru-RU" sz="1200" b="1" dirty="0">
                           <a:solidFill>
                             <a:schemeClr val="lt1"/>
                           </a:solidFill>
                         </a:rPr>
                         <a:t>Прямой/косвенный аналог</a:t>
                       </a:r>
-                      <a:endParaRPr sz="1200" b="1">
+                      <a:endParaRPr sz="1200" b="1" dirty="0">
                         <a:solidFill>
                           <a:schemeClr val="lt1"/>
                         </a:solidFill>
@@ -8262,14 +8428,14 @@
                         <a:buNone/>
                       </a:pPr>
                       <a:r>
-                        <a:rPr lang="ru-RU" sz="1200" b="1">
+                        <a:rPr lang="ru-RU" sz="1200" b="1" dirty="0">
                           <a:solidFill>
                             <a:schemeClr val="lt1"/>
                           </a:solidFill>
                         </a:rPr>
                         <a:t>Ценовое соотношение продукта</a:t>
                       </a:r>
-                      <a:endParaRPr sz="1200" b="1">
+                      <a:endParaRPr sz="1200" b="1" dirty="0">
                         <a:solidFill>
                           <a:schemeClr val="lt1"/>
                         </a:solidFill>
@@ -8333,14 +8499,14 @@
                         <a:buNone/>
                       </a:pPr>
                       <a:r>
-                        <a:rPr lang="ru-RU" sz="1200" b="1">
+                        <a:rPr lang="ru-RU" sz="1200" b="1" dirty="0">
                           <a:solidFill>
                             <a:schemeClr val="lt1"/>
                           </a:solidFill>
                         </a:rPr>
                         <a:t>Преимущества решения</a:t>
                       </a:r>
-                      <a:endParaRPr sz="1200" b="1">
+                      <a:endParaRPr sz="1200" b="1" dirty="0">
                         <a:solidFill>
                           <a:schemeClr val="lt1"/>
                         </a:solidFill>
@@ -8404,14 +8570,14 @@
                         <a:buNone/>
                       </a:pPr>
                       <a:r>
-                        <a:rPr lang="ru-RU" sz="1200" b="1">
+                        <a:rPr lang="ru-RU" sz="1200" b="1" dirty="0">
                           <a:solidFill>
                             <a:schemeClr val="lt1"/>
                           </a:solidFill>
                         </a:rPr>
                         <a:t>Недостатки решения</a:t>
                       </a:r>
-                      <a:endParaRPr sz="1200" b="1">
+                      <a:endParaRPr sz="1200" b="1" dirty="0">
                         <a:solidFill>
                           <a:schemeClr val="lt1"/>
                         </a:solidFill>
@@ -8475,14 +8641,14 @@
                         <a:buNone/>
                       </a:pPr>
                       <a:r>
-                        <a:rPr lang="ru-RU" sz="1200" b="1">
+                        <a:rPr lang="ru-RU" sz="1200" b="1" dirty="0">
                           <a:solidFill>
                             <a:schemeClr val="lt1"/>
                           </a:solidFill>
                         </a:rPr>
                         <a:t>Какие удачные идеи можно заимствовать?</a:t>
                       </a:r>
-                      <a:endParaRPr sz="1200" b="1">
+                      <a:endParaRPr sz="1200" b="1" dirty="0">
                         <a:solidFill>
                           <a:schemeClr val="lt1"/>
                         </a:solidFill>
@@ -8553,10 +8719,87 @@
                         <a:buNone/>
                       </a:pPr>
                       <a:r>
-                        <a:rPr lang="ru-RU"/>
+                        <a:rPr lang="ru-RU" dirty="0"/>
                         <a:t>1</a:t>
                       </a:r>
-                      <a:endParaRPr/>
+                      <a:endParaRPr dirty="0"/>
+                    </a:p>
+                  </a:txBody>
+                  <a:tcPr marL="91425" marR="91425" marT="91425" marB="91425">
+                    <a:lnL w="9525" cap="flat" cmpd="sng">
+                      <a:solidFill>
+                        <a:schemeClr val="lt1"/>
+                      </a:solidFill>
+                      <a:prstDash val="solid"/>
+                      <a:round/>
+                      <a:headEnd type="none" w="sm" len="sm"/>
+                      <a:tailEnd type="none" w="sm" len="sm"/>
+                    </a:lnL>
+                    <a:lnR w="9525" cap="flat" cmpd="sng">
+                      <a:solidFill>
+                        <a:schemeClr val="lt1"/>
+                      </a:solidFill>
+                      <a:prstDash val="solid"/>
+                      <a:round/>
+                      <a:headEnd type="none" w="sm" len="sm"/>
+                      <a:tailEnd type="none" w="sm" len="sm"/>
+                    </a:lnR>
+                    <a:lnT w="9525" cap="flat" cmpd="sng">
+                      <a:solidFill>
+                        <a:schemeClr val="lt1"/>
+                      </a:solidFill>
+                      <a:prstDash val="solid"/>
+                      <a:round/>
+                      <a:headEnd type="none" w="sm" len="sm"/>
+                      <a:tailEnd type="none" w="sm" len="sm"/>
+                    </a:lnT>
+                    <a:lnB w="9525" cap="flat" cmpd="sng">
+                      <a:solidFill>
+                        <a:schemeClr val="lt1"/>
+                      </a:solidFill>
+                      <a:prstDash val="solid"/>
+                      <a:round/>
+                      <a:headEnd type="none" w="sm" len="sm"/>
+                      <a:tailEnd type="none" w="sm" len="sm"/>
+                    </a:lnB>
+                    <a:solidFill>
+                      <a:srgbClr val="D9EAD3"/>
+                    </a:solidFill>
+                  </a:tcPr>
+                </a:tc>
+                <a:tc>
+                  <a:txBody>
+                    <a:bodyPr/>
+                    <a:lstStyle/>
+                    <a:p>
+                      <a:pPr marL="0" lvl="0" indent="0" algn="l">
+                        <a:spcBef>
+                          <a:spcPts val="0"/>
+                        </a:spcBef>
+                        <a:spcAft>
+                          <a:spcPts val="0"/>
+                        </a:spcAft>
+                        <a:buNone/>
+                      </a:pPr>
+                      <a:r>
+                        <a:rPr lang="en-US" sz="1200" b="0" i="0" u="none" strike="noStrike" noProof="0" dirty="0">
+                          <a:solidFill>
+                            <a:srgbClr val="000000"/>
+                          </a:solidFill>
+                          <a:latin typeface="Calibri"/>
+                        </a:rPr>
+                        <a:t>Blueye Robotics </a:t>
+                      </a:r>
+                      <a:r>
+                        <a:rPr lang="en-US" sz="1200" b="0" i="0" u="none" strike="noStrike" noProof="0" dirty="0" err="1">
+                          <a:solidFill>
+                            <a:srgbClr val="000000"/>
+                          </a:solidFill>
+                          <a:latin typeface="Calibri"/>
+                        </a:rPr>
+                        <a:t>PowerDolphin</a:t>
+                      </a:r>
+                      <a:endParaRPr dirty="0" err="1"/>
                     </a:p>
                   </a:txBody>
                   <a:tcPr marL="91425" marR="91425" marT="91425" marB="91425">
@@ -8615,7 +8858,11 @@
                         </a:spcAft>
                         <a:buNone/>
                       </a:pPr>
-                      <a:endParaRPr sz="1200"/>
+                      <a:r>
+                        <a:rPr lang="ru-RU" sz="1200" dirty="0"/>
+                        <a:t>Прямой </a:t>
+                      </a:r>
+                      <a:endParaRPr sz="1200" dirty="0"/>
                     </a:p>
                   </a:txBody>
                   <a:tcPr marL="91425" marR="91425" marT="91425" marB="91425">
@@ -8674,7 +8921,11 @@
                         </a:spcAft>
                         <a:buNone/>
                       </a:pPr>
-                      <a:endParaRPr sz="1200"/>
+                      <a:r>
+                        <a:rPr lang="ru-RU" sz="1200" dirty="0"/>
+                        <a:t>От 5600$</a:t>
+                      </a:r>
+                      <a:endParaRPr sz="1200" dirty="0"/>
                     </a:p>
                   </a:txBody>
                   <a:tcPr marL="91425" marR="91425" marT="91425" marB="91425">
@@ -8733,7 +8984,11 @@
                         </a:spcAft>
                         <a:buNone/>
                       </a:pPr>
-                      <a:endParaRPr sz="1200"/>
+                      <a:r>
+                        <a:rPr lang="ru-RU" sz="1200" dirty="0"/>
+                        <a:t>Компактность</a:t>
+                      </a:r>
+                      <a:endParaRPr sz="1200" dirty="0"/>
                     </a:p>
                   </a:txBody>
                   <a:tcPr marL="91425" marR="91425" marT="91425" marB="91425">
@@ -8792,7 +9047,11 @@
                         </a:spcAft>
                         <a:buNone/>
                       </a:pPr>
-                      <a:endParaRPr sz="1200"/>
+                      <a:r>
+                        <a:rPr lang="ru-RU" sz="1200" dirty="0"/>
+                        <a:t>Дороговизна</a:t>
+                      </a:r>
+                      <a:endParaRPr sz="1200" dirty="0"/>
                     </a:p>
                   </a:txBody>
                   <a:tcPr marL="91425" marR="91425" marT="91425" marB="91425">
@@ -8851,66 +9110,11 @@
                         </a:spcAft>
                         <a:buNone/>
                       </a:pPr>
-                      <a:endParaRPr sz="1200"/>
-                    </a:p>
-                  </a:txBody>
-                  <a:tcPr marL="91425" marR="91425" marT="91425" marB="91425">
-                    <a:lnL w="9525" cap="flat" cmpd="sng">
-                      <a:solidFill>
-                        <a:schemeClr val="lt1"/>
-                      </a:solidFill>
-                      <a:prstDash val="solid"/>
-                      <a:round/>
-                      <a:headEnd type="none" w="sm" len="sm"/>
-                      <a:tailEnd type="none" w="sm" len="sm"/>
-                    </a:lnL>
-                    <a:lnR w="9525" cap="flat" cmpd="sng">
-                      <a:solidFill>
-                        <a:schemeClr val="lt1"/>
-                      </a:solidFill>
-                      <a:prstDash val="solid"/>
-                      <a:round/>
-                      <a:headEnd type="none" w="sm" len="sm"/>
-                      <a:tailEnd type="none" w="sm" len="sm"/>
-                    </a:lnR>
-                    <a:lnT w="9525" cap="flat" cmpd="sng">
-                      <a:solidFill>
-                        <a:schemeClr val="lt1"/>
-                      </a:solidFill>
-                      <a:prstDash val="solid"/>
-                      <a:round/>
-                      <a:headEnd type="none" w="sm" len="sm"/>
-                      <a:tailEnd type="none" w="sm" len="sm"/>
-                    </a:lnT>
-                    <a:lnB w="9525" cap="flat" cmpd="sng">
-                      <a:solidFill>
-                        <a:schemeClr val="lt1"/>
-                      </a:solidFill>
-                      <a:prstDash val="solid"/>
-                      <a:round/>
-                      <a:headEnd type="none" w="sm" len="sm"/>
-                      <a:tailEnd type="none" w="sm" len="sm"/>
-                    </a:lnB>
-                    <a:solidFill>
-                      <a:srgbClr val="D9EAD3"/>
-                    </a:solidFill>
-                  </a:tcPr>
-                </a:tc>
-                <a:tc>
-                  <a:txBody>
-                    <a:bodyPr/>
-                    <a:lstStyle/>
-                    <a:p>
-                      <a:pPr marL="0" lvl="0" indent="0" algn="l" rtl="0">
-                        <a:spcBef>
-                          <a:spcPts val="0"/>
-                        </a:spcBef>
-                        <a:spcAft>
-                          <a:spcPts val="0"/>
-                        </a:spcAft>
-                        <a:buNone/>
-                      </a:pPr>
-                      <a:endParaRPr sz="1200"/>
+                      <a:r>
+                        <a:rPr lang="ru-RU" sz="1200" dirty="0"/>
+                        <a:t>Система управления судном</a:t>
+                      </a:r>
+                      <a:endParaRPr sz="1200" dirty="0"/>
                     </a:p>
                   </a:txBody>
                   <a:tcPr marL="91425" marR="91425" marT="91425" marB="91425">
@@ -8977,10 +9181,87 @@
                         <a:buNone/>
                       </a:pPr>
                       <a:r>
-                        <a:rPr lang="ru-RU"/>
+                        <a:rPr lang="ru-RU" dirty="0"/>
                         <a:t>2</a:t>
                       </a:r>
-                      <a:endParaRPr/>
+                      <a:endParaRPr dirty="0"/>
+                    </a:p>
+                  </a:txBody>
+                  <a:tcPr marL="91425" marR="91425" marT="91425" marB="91425">
+                    <a:lnL w="9525" cap="flat" cmpd="sng">
+                      <a:solidFill>
+                        <a:schemeClr val="lt1"/>
+                      </a:solidFill>
+                      <a:prstDash val="solid"/>
+                      <a:round/>
+                      <a:headEnd type="none" w="sm" len="sm"/>
+                      <a:tailEnd type="none" w="sm" len="sm"/>
+                    </a:lnL>
+                    <a:lnR w="9525" cap="flat" cmpd="sng">
+                      <a:solidFill>
+                        <a:schemeClr val="lt1"/>
+                      </a:solidFill>
+                      <a:prstDash val="solid"/>
+                      <a:round/>
+                      <a:headEnd type="none" w="sm" len="sm"/>
+                      <a:tailEnd type="none" w="sm" len="sm"/>
+                    </a:lnR>
+                    <a:lnT w="9525" cap="flat" cmpd="sng">
+                      <a:solidFill>
+                        <a:schemeClr val="lt1"/>
+                      </a:solidFill>
+                      <a:prstDash val="solid"/>
+                      <a:round/>
+                      <a:headEnd type="none" w="sm" len="sm"/>
+                      <a:tailEnd type="none" w="sm" len="sm"/>
+                    </a:lnT>
+                    <a:lnB w="9525" cap="flat" cmpd="sng">
+                      <a:solidFill>
+                        <a:schemeClr val="lt1"/>
+                      </a:solidFill>
+                      <a:prstDash val="solid"/>
+                      <a:round/>
+                      <a:headEnd type="none" w="sm" len="sm"/>
+                      <a:tailEnd type="none" w="sm" len="sm"/>
+                    </a:lnB>
+                    <a:solidFill>
+                      <a:srgbClr val="E7F4E2"/>
+                    </a:solidFill>
+                  </a:tcPr>
+                </a:tc>
+                <a:tc>
+                  <a:txBody>
+                    <a:bodyPr/>
+                    <a:lstStyle/>
+                    <a:p>
+                      <a:pPr marL="0" lvl="0" indent="0" algn="l">
+                        <a:spcBef>
+                          <a:spcPts val="0"/>
+                        </a:spcBef>
+                        <a:spcAft>
+                          <a:spcPts val="0"/>
+                        </a:spcAft>
+                        <a:buNone/>
+                      </a:pPr>
+                      <a:r>
+                        <a:rPr lang="en-US" sz="1200" b="0" i="0" u="none" strike="noStrike" noProof="0" dirty="0" err="1">
+                          <a:solidFill>
+                            <a:srgbClr val="000000"/>
+                          </a:solidFill>
+                          <a:latin typeface="Calibri"/>
+                        </a:rPr>
+                        <a:t>Aquabotix</a:t>
+                      </a:r>
+                      <a:r>
+                        <a:rPr lang="en-US" sz="1200" b="0" i="0" u="none" strike="noStrike" noProof="0" dirty="0">
+                          <a:solidFill>
+                            <a:srgbClr val="000000"/>
+                          </a:solidFill>
+                          <a:latin typeface="Calibri"/>
+                        </a:rPr>
+                        <a:t> Endura</a:t>
+                      </a:r>
+                      <a:endParaRPr dirty="0"/>
                     </a:p>
                   </a:txBody>
                   <a:tcPr marL="91425" marR="91425" marT="91425" marB="91425">
@@ -9039,7 +9320,11 @@
                         </a:spcAft>
                         <a:buNone/>
                       </a:pPr>
-                      <a:endParaRPr sz="1200"/>
+                      <a:r>
+                        <a:rPr lang="ru-RU" sz="1200" dirty="0"/>
+                        <a:t>Прямой</a:t>
+                      </a:r>
+                      <a:endParaRPr sz="1200" dirty="0"/>
                     </a:p>
                   </a:txBody>
                   <a:tcPr marL="91425" marR="91425" marT="91425" marB="91425">
@@ -9098,6 +9383,19 @@
                         </a:spcAft>
                         <a:buNone/>
                       </a:pPr>
+                      <a:r>
+                        <a:rPr lang="ru-RU" sz="1200"/>
+                        <a:t>От 4000</a:t>
+                      </a:r>
+                      <a:r>
+                        <a:rPr lang="ru-RU" sz="1200" b="0" i="0" u="none" strike="noStrike" noProof="0">
+                          <a:solidFill>
+                            <a:srgbClr val="040C28"/>
+                          </a:solidFill>
+                          <a:latin typeface="Arial"/>
+                        </a:rPr>
+                        <a:t>€</a:t>
+                      </a:r>
                       <a:endParaRPr sz="1200"/>
                     </a:p>
                   </a:txBody>
@@ -9157,7 +9455,11 @@
                         </a:spcAft>
                         <a:buNone/>
                       </a:pPr>
-                      <a:endParaRPr sz="1200"/>
+                      <a:r>
+                        <a:rPr lang="ru-RU" sz="1200" dirty="0"/>
+                        <a:t>Беспроводная передача данных</a:t>
+                      </a:r>
+                      <a:endParaRPr sz="1200" dirty="0"/>
                     </a:p>
                   </a:txBody>
                   <a:tcPr marL="91425" marR="91425" marT="91425" marB="91425">
@@ -9216,7 +9518,11 @@
                         </a:spcAft>
                         <a:buNone/>
                       </a:pPr>
-                      <a:endParaRPr sz="1200"/>
+                      <a:r>
+                        <a:rPr lang="ru-RU" sz="1200" dirty="0"/>
+                        <a:t>Малая автономность и дороговизна</a:t>
+                      </a:r>
+                      <a:endParaRPr sz="1200" dirty="0"/>
                     </a:p>
                   </a:txBody>
                   <a:tcPr marL="91425" marR="91425" marT="91425" marB="91425">
@@ -9275,66 +9581,11 @@
                         </a:spcAft>
                         <a:buNone/>
                       </a:pPr>
-                      <a:endParaRPr sz="1200"/>
-                    </a:p>
-                  </a:txBody>
-                  <a:tcPr marL="91425" marR="91425" marT="91425" marB="91425">
-                    <a:lnL w="9525" cap="flat" cmpd="sng">
-                      <a:solidFill>
-                        <a:schemeClr val="lt1"/>
-                      </a:solidFill>
-                      <a:prstDash val="solid"/>
-                      <a:round/>
-                      <a:headEnd type="none" w="sm" len="sm"/>
-                      <a:tailEnd type="none" w="sm" len="sm"/>
-                    </a:lnL>
-                    <a:lnR w="9525" cap="flat" cmpd="sng">
-                      <a:solidFill>
-                        <a:schemeClr val="lt1"/>
-                      </a:solidFill>
-                      <a:prstDash val="solid"/>
-                      <a:round/>
-                      <a:headEnd type="none" w="sm" len="sm"/>
-                      <a:tailEnd type="none" w="sm" len="sm"/>
-                    </a:lnR>
-                    <a:lnT w="9525" cap="flat" cmpd="sng">
-                      <a:solidFill>
-                        <a:schemeClr val="lt1"/>
-                      </a:solidFill>
-                      <a:prstDash val="solid"/>
-                      <a:round/>
-                      <a:headEnd type="none" w="sm" len="sm"/>
-                      <a:tailEnd type="none" w="sm" len="sm"/>
-                    </a:lnT>
-                    <a:lnB w="9525" cap="flat" cmpd="sng">
-                      <a:solidFill>
-                        <a:schemeClr val="lt1"/>
-                      </a:solidFill>
-                      <a:prstDash val="solid"/>
-                      <a:round/>
-                      <a:headEnd type="none" w="sm" len="sm"/>
-                      <a:tailEnd type="none" w="sm" len="sm"/>
-                    </a:lnB>
-                    <a:solidFill>
-                      <a:srgbClr val="E7F4E2"/>
-                    </a:solidFill>
-                  </a:tcPr>
-                </a:tc>
-                <a:tc>
-                  <a:txBody>
-                    <a:bodyPr/>
-                    <a:lstStyle/>
-                    <a:p>
-                      <a:pPr marL="0" lvl="0" indent="0" algn="l" rtl="0">
-                        <a:spcBef>
-                          <a:spcPts val="0"/>
-                        </a:spcBef>
-                        <a:spcAft>
-                          <a:spcPts val="0"/>
-                        </a:spcAft>
-                        <a:buNone/>
-                      </a:pPr>
-                      <a:endParaRPr sz="1200"/>
+                      <a:r>
+                        <a:rPr lang="ru-RU" sz="1200" dirty="0"/>
+                        <a:t>Беспроводная передача данных</a:t>
+                      </a:r>
+                      <a:endParaRPr sz="1200" dirty="0"/>
                     </a:p>
                   </a:txBody>
                   <a:tcPr marL="91425" marR="91425" marT="91425" marB="91425">
@@ -9401,10 +9652,87 @@
                         <a:buNone/>
                       </a:pPr>
                       <a:r>
-                        <a:rPr lang="ru-RU"/>
+                        <a:rPr lang="ru-RU" dirty="0"/>
                         <a:t>3</a:t>
                       </a:r>
-                      <a:endParaRPr/>
+                      <a:endParaRPr dirty="0"/>
+                    </a:p>
+                  </a:txBody>
+                  <a:tcPr marL="91425" marR="91425" marT="91425" marB="91425">
+                    <a:lnL w="9525" cap="flat" cmpd="sng">
+                      <a:solidFill>
+                        <a:schemeClr val="lt1"/>
+                      </a:solidFill>
+                      <a:prstDash val="solid"/>
+                      <a:round/>
+                      <a:headEnd type="none" w="sm" len="sm"/>
+                      <a:tailEnd type="none" w="sm" len="sm"/>
+                    </a:lnL>
+                    <a:lnR w="9525" cap="flat" cmpd="sng">
+                      <a:solidFill>
+                        <a:schemeClr val="lt1"/>
+                      </a:solidFill>
+                      <a:prstDash val="solid"/>
+                      <a:round/>
+                      <a:headEnd type="none" w="sm" len="sm"/>
+                      <a:tailEnd type="none" w="sm" len="sm"/>
+                    </a:lnR>
+                    <a:lnT w="9525" cap="flat" cmpd="sng">
+                      <a:solidFill>
+                        <a:schemeClr val="lt1"/>
+                      </a:solidFill>
+                      <a:prstDash val="solid"/>
+                      <a:round/>
+                      <a:headEnd type="none" w="sm" len="sm"/>
+                      <a:tailEnd type="none" w="sm" len="sm"/>
+                    </a:lnT>
+                    <a:lnB w="9525" cap="flat" cmpd="sng">
+                      <a:solidFill>
+                        <a:schemeClr val="lt1"/>
+                      </a:solidFill>
+                      <a:prstDash val="solid"/>
+                      <a:round/>
+                      <a:headEnd type="none" w="sm" len="sm"/>
+                      <a:tailEnd type="none" w="sm" len="sm"/>
+                    </a:lnB>
+                    <a:solidFill>
+                      <a:srgbClr val="D9EAD3"/>
+                    </a:solidFill>
+                  </a:tcPr>
+                </a:tc>
+                <a:tc>
+                  <a:txBody>
+                    <a:bodyPr/>
+                    <a:lstStyle/>
+                    <a:p>
+                      <a:pPr marL="0" lvl="0" indent="0" algn="l">
+                        <a:spcBef>
+                          <a:spcPts val="0"/>
+                        </a:spcBef>
+                        <a:spcAft>
+                          <a:spcPts val="0"/>
+                        </a:spcAft>
+                        <a:buNone/>
+                      </a:pPr>
+                      <a:r>
+                        <a:rPr lang="en-US" sz="1200" b="0" i="0" u="none" strike="noStrike" noProof="0" dirty="0" err="1">
+                          <a:solidFill>
+                            <a:srgbClr val="000000"/>
+                          </a:solidFill>
+                          <a:latin typeface="Calibri"/>
+                        </a:rPr>
+                        <a:t>OpenROV</a:t>
+                      </a:r>
+                      <a:r>
+                        <a:rPr lang="en-US" sz="1200" b="0" i="0" u="none" strike="noStrike" noProof="0" dirty="0">
+                          <a:solidFill>
+                            <a:srgbClr val="000000"/>
+                          </a:solidFill>
+                          <a:latin typeface="Calibri"/>
+                        </a:rPr>
+                        <a:t> Trident</a:t>
+                      </a:r>
+                      <a:endParaRPr dirty="0"/>
                     </a:p>
                   </a:txBody>
                   <a:tcPr marL="91425" marR="91425" marT="91425" marB="91425">
@@ -9463,7 +9791,11 @@
                         </a:spcAft>
                         <a:buNone/>
                       </a:pPr>
-                      <a:endParaRPr sz="1200"/>
+                      <a:r>
+                        <a:rPr lang="ru-RU" sz="1200" dirty="0"/>
+                        <a:t>Косвенный</a:t>
+                      </a:r>
+                      <a:endParaRPr sz="1200" dirty="0"/>
                     </a:p>
                   </a:txBody>
                   <a:tcPr marL="91425" marR="91425" marT="91425" marB="91425">
@@ -9522,7 +9854,11 @@
                         </a:spcAft>
                         <a:buNone/>
                       </a:pPr>
-                      <a:endParaRPr sz="1200"/>
+                      <a:r>
+                        <a:rPr lang="ru-RU" sz="1200" dirty="0"/>
+                        <a:t>1200$</a:t>
+                      </a:r>
+                      <a:endParaRPr sz="1200" dirty="0"/>
                     </a:p>
                   </a:txBody>
                   <a:tcPr marL="91425" marR="91425" marT="91425" marB="91425">
@@ -9581,7 +9917,11 @@
                         </a:spcAft>
                         <a:buNone/>
                       </a:pPr>
-                      <a:endParaRPr sz="1200"/>
+                      <a:r>
+                        <a:rPr lang="ru-RU" sz="1200" dirty="0"/>
+                        <a:t>Легкость и компактность</a:t>
+                      </a:r>
+                      <a:endParaRPr sz="1200" dirty="0"/>
                     </a:p>
                   </a:txBody>
                   <a:tcPr marL="91425" marR="91425" marT="91425" marB="91425">
@@ -9640,7 +9980,11 @@
                         </a:spcAft>
                         <a:buNone/>
                       </a:pPr>
-                      <a:endParaRPr sz="1200"/>
+                      <a:r>
+                        <a:rPr lang="ru-RU" sz="1200" dirty="0"/>
+                        <a:t>Нельзя устанавливать дополнительные модули</a:t>
+                      </a:r>
+                      <a:endParaRPr sz="1200" dirty="0"/>
                     </a:p>
                   </a:txBody>
                   <a:tcPr marL="91425" marR="91425" marT="91425" marB="91425">
@@ -9699,66 +10043,11 @@
                         </a:spcAft>
                         <a:buNone/>
                       </a:pPr>
-                      <a:endParaRPr sz="1200"/>
-                    </a:p>
-                  </a:txBody>
-                  <a:tcPr marL="91425" marR="91425" marT="91425" marB="91425">
-                    <a:lnL w="9525" cap="flat" cmpd="sng">
-                      <a:solidFill>
-                        <a:schemeClr val="lt1"/>
-                      </a:solidFill>
-                      <a:prstDash val="solid"/>
-                      <a:round/>
-                      <a:headEnd type="none" w="sm" len="sm"/>
-                      <a:tailEnd type="none" w="sm" len="sm"/>
-                    </a:lnL>
-                    <a:lnR w="9525" cap="flat" cmpd="sng">
-                      <a:solidFill>
-                        <a:schemeClr val="lt1"/>
-                      </a:solidFill>
-                      <a:prstDash val="solid"/>
-                      <a:round/>
-                      <a:headEnd type="none" w="sm" len="sm"/>
-                      <a:tailEnd type="none" w="sm" len="sm"/>
-                    </a:lnR>
-                    <a:lnT w="9525" cap="flat" cmpd="sng">
-                      <a:solidFill>
-                        <a:schemeClr val="lt1"/>
-                      </a:solidFill>
-                      <a:prstDash val="solid"/>
-                      <a:round/>
-                      <a:headEnd type="none" w="sm" len="sm"/>
-                      <a:tailEnd type="none" w="sm" len="sm"/>
-                    </a:lnT>
-                    <a:lnB w="9525" cap="flat" cmpd="sng">
-                      <a:solidFill>
-                        <a:schemeClr val="lt1"/>
-                      </a:solidFill>
-                      <a:prstDash val="solid"/>
-                      <a:round/>
-                      <a:headEnd type="none" w="sm" len="sm"/>
-                      <a:tailEnd type="none" w="sm" len="sm"/>
-                    </a:lnB>
-                    <a:solidFill>
-                      <a:srgbClr val="D9EAD3"/>
-                    </a:solidFill>
-                  </a:tcPr>
-                </a:tc>
-                <a:tc>
-                  <a:txBody>
-                    <a:bodyPr/>
-                    <a:lstStyle/>
-                    <a:p>
-                      <a:pPr marL="0" lvl="0" indent="0" algn="l" rtl="0">
-                        <a:spcBef>
-                          <a:spcPts val="0"/>
-                        </a:spcBef>
-                        <a:spcAft>
-                          <a:spcPts val="0"/>
-                        </a:spcAft>
-                        <a:buNone/>
-                      </a:pPr>
-                      <a:endParaRPr sz="1200"/>
+                      <a:r>
+                        <a:rPr lang="ru-RU" sz="1200" dirty="0"/>
+                        <a:t>Корпус </a:t>
+                      </a:r>
+                      <a:endParaRPr sz="1200" dirty="0"/>
                     </a:p>
                   </a:txBody>
                   <a:tcPr marL="91425" marR="91425" marT="91425" marB="91425">
@@ -9806,430 +10095,6 @@
                 <a:extLst>
                   <a:ext uri="{0D108BD9-81ED-4DB2-BD59-A6C34878D82A}">
                     <a16:rowId xmlns:a16="http://schemas.microsoft.com/office/drawing/2014/main" val="10003"/>
-                  </a:ext>
-                </a:extLst>
-              </a:tr>
-              <a:tr h="903376">
-                <a:tc>
-                  <a:txBody>
-                    <a:bodyPr/>
-                    <a:lstStyle/>
-                    <a:p>
-                      <a:pPr marL="0" lvl="0" indent="0" algn="l" rtl="0">
-                        <a:spcBef>
-                          <a:spcPts val="0"/>
-                        </a:spcBef>
-                        <a:spcAft>
-                          <a:spcPts val="0"/>
-                        </a:spcAft>
-                        <a:buNone/>
-                      </a:pPr>
-                      <a:r>
-                        <a:rPr lang="ru-RU"/>
-                        <a:t>4</a:t>
-                      </a:r>
-                      <a:endParaRPr/>
-                    </a:p>
-                  </a:txBody>
-                  <a:tcPr marL="91425" marR="91425" marT="91425" marB="91425">
-                    <a:lnL w="9525" cap="flat" cmpd="sng">
-                      <a:solidFill>
-                        <a:schemeClr val="lt1"/>
-                      </a:solidFill>
-                      <a:prstDash val="solid"/>
-                      <a:round/>
-                      <a:headEnd type="none" w="sm" len="sm"/>
-                      <a:tailEnd type="none" w="sm" len="sm"/>
-                    </a:lnL>
-                    <a:lnR w="9525" cap="flat" cmpd="sng">
-                      <a:solidFill>
-                        <a:schemeClr val="lt1"/>
-                      </a:solidFill>
-                      <a:prstDash val="solid"/>
-                      <a:round/>
-                      <a:headEnd type="none" w="sm" len="sm"/>
-                      <a:tailEnd type="none" w="sm" len="sm"/>
-                    </a:lnR>
-                    <a:lnT w="9525" cap="flat" cmpd="sng">
-                      <a:solidFill>
-                        <a:schemeClr val="lt1"/>
-                      </a:solidFill>
-                      <a:prstDash val="solid"/>
-                      <a:round/>
-                      <a:headEnd type="none" w="sm" len="sm"/>
-                      <a:tailEnd type="none" w="sm" len="sm"/>
-                    </a:lnT>
-                    <a:lnB w="9525" cap="flat" cmpd="sng">
-                      <a:solidFill>
-                        <a:schemeClr val="lt1"/>
-                      </a:solidFill>
-                      <a:prstDash val="solid"/>
-                      <a:round/>
-                      <a:headEnd type="none" w="sm" len="sm"/>
-                      <a:tailEnd type="none" w="sm" len="sm"/>
-                    </a:lnB>
-                    <a:solidFill>
-                      <a:srgbClr val="E7F4E2"/>
-                    </a:solidFill>
-                  </a:tcPr>
-                </a:tc>
-                <a:tc>
-                  <a:txBody>
-                    <a:bodyPr/>
-                    <a:lstStyle/>
-                    <a:p>
-                      <a:pPr marL="0" lvl="0" indent="0" algn="l" rtl="0">
-                        <a:spcBef>
-                          <a:spcPts val="0"/>
-                        </a:spcBef>
-                        <a:spcAft>
-                          <a:spcPts val="0"/>
-                        </a:spcAft>
-                        <a:buNone/>
-                      </a:pPr>
-                      <a:endParaRPr sz="1200"/>
-                    </a:p>
-                  </a:txBody>
-                  <a:tcPr marL="91425" marR="91425" marT="91425" marB="91425">
-                    <a:lnL w="9525" cap="flat" cmpd="sng">
-                      <a:solidFill>
-                        <a:schemeClr val="lt1"/>
-                      </a:solidFill>
-                      <a:prstDash val="solid"/>
-                      <a:round/>
-                      <a:headEnd type="none" w="sm" len="sm"/>
-                      <a:tailEnd type="none" w="sm" len="sm"/>
-                    </a:lnL>
-                    <a:lnR w="9525" cap="flat" cmpd="sng">
-                      <a:solidFill>
-                        <a:schemeClr val="lt1"/>
-                      </a:solidFill>
-                      <a:prstDash val="solid"/>
-                      <a:round/>
-                      <a:headEnd type="none" w="sm" len="sm"/>
-                      <a:tailEnd type="none" w="sm" len="sm"/>
-                    </a:lnR>
-                    <a:lnT w="9525" cap="flat" cmpd="sng">
-                      <a:solidFill>
-                        <a:schemeClr val="lt1"/>
-                      </a:solidFill>
-                      <a:prstDash val="solid"/>
-                      <a:round/>
-                      <a:headEnd type="none" w="sm" len="sm"/>
-                      <a:tailEnd type="none" w="sm" len="sm"/>
-                    </a:lnT>
-                    <a:lnB w="9525" cap="flat" cmpd="sng">
-                      <a:solidFill>
-                        <a:schemeClr val="lt1"/>
-                      </a:solidFill>
-                      <a:prstDash val="solid"/>
-                      <a:round/>
-                      <a:headEnd type="none" w="sm" len="sm"/>
-                      <a:tailEnd type="none" w="sm" len="sm"/>
-                    </a:lnB>
-                    <a:solidFill>
-                      <a:srgbClr val="E7F4E2"/>
-                    </a:solidFill>
-                  </a:tcPr>
-                </a:tc>
-                <a:tc>
-                  <a:txBody>
-                    <a:bodyPr/>
-                    <a:lstStyle/>
-                    <a:p>
-                      <a:pPr marL="0" lvl="0" indent="0" algn="l" rtl="0">
-                        <a:spcBef>
-                          <a:spcPts val="0"/>
-                        </a:spcBef>
-                        <a:spcAft>
-                          <a:spcPts val="0"/>
-                        </a:spcAft>
-                        <a:buNone/>
-                      </a:pPr>
-                      <a:endParaRPr sz="1200"/>
-                    </a:p>
-                  </a:txBody>
-                  <a:tcPr marL="91425" marR="91425" marT="91425" marB="91425">
-                    <a:lnL w="9525" cap="flat" cmpd="sng">
-                      <a:solidFill>
-                        <a:schemeClr val="lt1"/>
-                      </a:solidFill>
-                      <a:prstDash val="solid"/>
-                      <a:round/>
-                      <a:headEnd type="none" w="sm" len="sm"/>
-                      <a:tailEnd type="none" w="sm" len="sm"/>
-                    </a:lnL>
-                    <a:lnR w="9525" cap="flat" cmpd="sng">
-                      <a:solidFill>
-                        <a:schemeClr val="lt1"/>
-                      </a:solidFill>
-                      <a:prstDash val="solid"/>
-                      <a:round/>
-                      <a:headEnd type="none" w="sm" len="sm"/>
-                      <a:tailEnd type="none" w="sm" len="sm"/>
-                    </a:lnR>
-                    <a:lnT w="9525" cap="flat" cmpd="sng">
-                      <a:solidFill>
-                        <a:schemeClr val="lt1"/>
-                      </a:solidFill>
-                      <a:prstDash val="solid"/>
-                      <a:round/>
-                      <a:headEnd type="none" w="sm" len="sm"/>
-                      <a:tailEnd type="none" w="sm" len="sm"/>
-                    </a:lnT>
-                    <a:lnB w="9525" cap="flat" cmpd="sng">
-                      <a:solidFill>
-                        <a:schemeClr val="lt1"/>
-                      </a:solidFill>
-                      <a:prstDash val="solid"/>
-                      <a:round/>
-                      <a:headEnd type="none" w="sm" len="sm"/>
-                      <a:tailEnd type="none" w="sm" len="sm"/>
-                    </a:lnB>
-                    <a:solidFill>
-                      <a:srgbClr val="E7F4E2"/>
-                    </a:solidFill>
-                  </a:tcPr>
-                </a:tc>
-                <a:tc>
-                  <a:txBody>
-                    <a:bodyPr/>
-                    <a:lstStyle/>
-                    <a:p>
-                      <a:pPr marL="0" lvl="0" indent="0" algn="l" rtl="0">
-                        <a:spcBef>
-                          <a:spcPts val="0"/>
-                        </a:spcBef>
-                        <a:spcAft>
-                          <a:spcPts val="0"/>
-                        </a:spcAft>
-                        <a:buNone/>
-                      </a:pPr>
-                      <a:endParaRPr sz="1200"/>
-                    </a:p>
-                  </a:txBody>
-                  <a:tcPr marL="91425" marR="91425" marT="91425" marB="91425">
-                    <a:lnL w="9525" cap="flat" cmpd="sng">
-                      <a:solidFill>
-                        <a:schemeClr val="lt1"/>
-                      </a:solidFill>
-                      <a:prstDash val="solid"/>
-                      <a:round/>
-                      <a:headEnd type="none" w="sm" len="sm"/>
-                      <a:tailEnd type="none" w="sm" len="sm"/>
-                    </a:lnL>
-                    <a:lnR w="9525" cap="flat" cmpd="sng">
-                      <a:solidFill>
-                        <a:schemeClr val="lt1"/>
-                      </a:solidFill>
-                      <a:prstDash val="solid"/>
-                      <a:round/>
-                      <a:headEnd type="none" w="sm" len="sm"/>
-                      <a:tailEnd type="none" w="sm" len="sm"/>
-                    </a:lnR>
-                    <a:lnT w="9525" cap="flat" cmpd="sng">
-                      <a:solidFill>
-                        <a:schemeClr val="lt1"/>
-                      </a:solidFill>
-                      <a:prstDash val="solid"/>
-                      <a:round/>
-                      <a:headEnd type="none" w="sm" len="sm"/>
-                      <a:tailEnd type="none" w="sm" len="sm"/>
-                    </a:lnT>
-                    <a:lnB w="9525" cap="flat" cmpd="sng">
-                      <a:solidFill>
-                        <a:schemeClr val="lt1"/>
-                      </a:solidFill>
-                      <a:prstDash val="solid"/>
-                      <a:round/>
-                      <a:headEnd type="none" w="sm" len="sm"/>
-                      <a:tailEnd type="none" w="sm" len="sm"/>
-                    </a:lnB>
-                    <a:solidFill>
-                      <a:srgbClr val="E7F4E2"/>
-                    </a:solidFill>
-                  </a:tcPr>
-                </a:tc>
-                <a:tc>
-                  <a:txBody>
-                    <a:bodyPr/>
-                    <a:lstStyle/>
-                    <a:p>
-                      <a:pPr marL="0" lvl="0" indent="0" algn="l" rtl="0">
-                        <a:spcBef>
-                          <a:spcPts val="0"/>
-                        </a:spcBef>
-                        <a:spcAft>
-                          <a:spcPts val="0"/>
-                        </a:spcAft>
-                        <a:buNone/>
-                      </a:pPr>
-                      <a:endParaRPr sz="1200"/>
-                    </a:p>
-                  </a:txBody>
-                  <a:tcPr marL="91425" marR="91425" marT="91425" marB="91425">
-                    <a:lnL w="9525" cap="flat" cmpd="sng">
-                      <a:solidFill>
-                        <a:schemeClr val="lt1"/>
-                      </a:solidFill>
-                      <a:prstDash val="solid"/>
-                      <a:round/>
-                      <a:headEnd type="none" w="sm" len="sm"/>
-                      <a:tailEnd type="none" w="sm" len="sm"/>
-                    </a:lnL>
-                    <a:lnR w="9525" cap="flat" cmpd="sng">
-                      <a:solidFill>
-                        <a:schemeClr val="lt1"/>
-                      </a:solidFill>
-                      <a:prstDash val="solid"/>
-                      <a:round/>
-                      <a:headEnd type="none" w="sm" len="sm"/>
-                      <a:tailEnd type="none" w="sm" len="sm"/>
-                    </a:lnR>
-                    <a:lnT w="9525" cap="flat" cmpd="sng">
-                      <a:solidFill>
-                        <a:schemeClr val="lt1"/>
-                      </a:solidFill>
-                      <a:prstDash val="solid"/>
-                      <a:round/>
-                      <a:headEnd type="none" w="sm" len="sm"/>
-                      <a:tailEnd type="none" w="sm" len="sm"/>
-                    </a:lnT>
-                    <a:lnB w="9525" cap="flat" cmpd="sng">
-                      <a:solidFill>
-                        <a:schemeClr val="lt1"/>
-                      </a:solidFill>
-                      <a:prstDash val="solid"/>
-                      <a:round/>
-                      <a:headEnd type="none" w="sm" len="sm"/>
-                      <a:tailEnd type="none" w="sm" len="sm"/>
-                    </a:lnB>
-                    <a:solidFill>
-                      <a:srgbClr val="E7F4E2"/>
-                    </a:solidFill>
-                  </a:tcPr>
-                </a:tc>
-                <a:tc>
-                  <a:txBody>
-                    <a:bodyPr/>
-                    <a:lstStyle/>
-                    <a:p>
-                      <a:pPr marL="0" lvl="0" indent="0" algn="l" rtl="0">
-                        <a:spcBef>
-                          <a:spcPts val="0"/>
-                        </a:spcBef>
-                        <a:spcAft>
-                          <a:spcPts val="0"/>
-                        </a:spcAft>
-                        <a:buNone/>
-                      </a:pPr>
-                      <a:endParaRPr sz="1200"/>
-                    </a:p>
-                  </a:txBody>
-                  <a:tcPr marL="91425" marR="91425" marT="91425" marB="91425">
-                    <a:lnL w="9525" cap="flat" cmpd="sng">
-                      <a:solidFill>
-                        <a:schemeClr val="lt1"/>
-                      </a:solidFill>
-                      <a:prstDash val="solid"/>
-                      <a:round/>
-                      <a:headEnd type="none" w="sm" len="sm"/>
-                      <a:tailEnd type="none" w="sm" len="sm"/>
-                    </a:lnL>
-                    <a:lnR w="9525" cap="flat" cmpd="sng">
-                      <a:solidFill>
-                        <a:schemeClr val="lt1"/>
-                      </a:solidFill>
-                      <a:prstDash val="solid"/>
-                      <a:round/>
-                      <a:headEnd type="none" w="sm" len="sm"/>
-                      <a:tailEnd type="none" w="sm" len="sm"/>
-                    </a:lnR>
-                    <a:lnT w="9525" cap="flat" cmpd="sng">
-                      <a:solidFill>
-                        <a:schemeClr val="lt1"/>
-                      </a:solidFill>
-                      <a:prstDash val="solid"/>
-                      <a:round/>
-                      <a:headEnd type="none" w="sm" len="sm"/>
-                      <a:tailEnd type="none" w="sm" len="sm"/>
-                    </a:lnT>
-                    <a:lnB w="9525" cap="flat" cmpd="sng">
-                      <a:solidFill>
-                        <a:schemeClr val="lt1"/>
-                      </a:solidFill>
-                      <a:prstDash val="solid"/>
-                      <a:round/>
-                      <a:headEnd type="none" w="sm" len="sm"/>
-                      <a:tailEnd type="none" w="sm" len="sm"/>
-                    </a:lnB>
-                    <a:solidFill>
-                      <a:srgbClr val="E7F4E2"/>
-                    </a:solidFill>
-                  </a:tcPr>
-                </a:tc>
-                <a:tc>
-                  <a:txBody>
-                    <a:bodyPr/>
-                    <a:lstStyle/>
-                    <a:p>
-                      <a:pPr marL="0" lvl="0" indent="0" algn="l" rtl="0">
-                        <a:spcBef>
-                          <a:spcPts val="0"/>
-                        </a:spcBef>
-                        <a:spcAft>
-                          <a:spcPts val="0"/>
-                        </a:spcAft>
-                        <a:buNone/>
-                      </a:pPr>
-                      <a:endParaRPr sz="1200"/>
-                    </a:p>
-                  </a:txBody>
-                  <a:tcPr marL="91425" marR="91425" marT="91425" marB="91425">
-                    <a:lnL w="9525" cap="flat" cmpd="sng">
-                      <a:solidFill>
-                        <a:schemeClr val="lt1"/>
-                      </a:solidFill>
-                      <a:prstDash val="solid"/>
-                      <a:round/>
-                      <a:headEnd type="none" w="sm" len="sm"/>
-                      <a:tailEnd type="none" w="sm" len="sm"/>
-                    </a:lnL>
-                    <a:lnR w="9525" cap="flat" cmpd="sng">
-                      <a:solidFill>
-                        <a:schemeClr val="lt1"/>
-                      </a:solidFill>
-                      <a:prstDash val="solid"/>
-                      <a:round/>
-                      <a:headEnd type="none" w="sm" len="sm"/>
-                      <a:tailEnd type="none" w="sm" len="sm"/>
-                    </a:lnR>
-                    <a:lnT w="9525" cap="flat" cmpd="sng">
-                      <a:solidFill>
-                        <a:schemeClr val="lt1"/>
-                      </a:solidFill>
-                      <a:prstDash val="solid"/>
-                      <a:round/>
-                      <a:headEnd type="none" w="sm" len="sm"/>
-                      <a:tailEnd type="none" w="sm" len="sm"/>
-                    </a:lnT>
-                    <a:lnB w="9525" cap="flat" cmpd="sng">
-                      <a:solidFill>
-                        <a:schemeClr val="lt1"/>
-                      </a:solidFill>
-                      <a:prstDash val="solid"/>
-                      <a:round/>
-                      <a:headEnd type="none" w="sm" len="sm"/>
-                      <a:tailEnd type="none" w="sm" len="sm"/>
-                    </a:lnB>
-                    <a:solidFill>
-                      <a:srgbClr val="E7F4E2"/>
-                    </a:solidFill>
-                  </a:tcPr>
-                </a:tc>
-                <a:extLst>
-                  <a:ext uri="{0D108BD9-81ED-4DB2-BD59-A6C34878D82A}">
-                    <a16:rowId xmlns:a16="http://schemas.microsoft.com/office/drawing/2014/main" val="10004"/>
                   </a:ext>
                 </a:extLst>
               </a:tr>
@@ -10519,55 +10384,103 @@
           </a:bodyPr>
           <a:lstStyle/>
           <a:p>
-            <a:pPr marL="0" lvl="0" indent="0" algn="l" rtl="0">
+            <a:pPr>
+              <a:lnSpc>
+                <a:spcPct val="107916"/>
+              </a:lnSpc>
+            </a:pPr>
+            <a:r>
+              <a:rPr lang="ru-RU" sz="1500" dirty="0">
+                <a:solidFill>
+                  <a:srgbClr val="526069"/>
+                </a:solidFill>
+                <a:latin typeface="Calibri"/>
+                <a:ea typeface="Calibri"/>
+                <a:cs typeface="Calibri"/>
+                <a:sym typeface="Calibri"/>
+              </a:rPr>
+              <a:t>Для                              </a:t>
+            </a:r>
+            <a:r>
+              <a:rPr lang="ru-RU" sz="1500" b="1" dirty="0">
+                <a:solidFill>
+                  <a:srgbClr val="526069"/>
+                </a:solidFill>
+                <a:latin typeface="Calibri"/>
+                <a:ea typeface="Calibri"/>
+                <a:cs typeface="Calibri"/>
+                <a:sym typeface="Calibri"/>
+              </a:rPr>
+              <a:t>ученых</a:t>
+            </a:r>
+            <a:r>
+              <a:rPr lang="ru-RU" sz="1500" dirty="0">
+                <a:solidFill>
+                  <a:srgbClr val="526069"/>
+                </a:solidFill>
+                <a:latin typeface="Calibri"/>
+                <a:ea typeface="Calibri"/>
+                <a:cs typeface="Calibri"/>
+                <a:sym typeface="Calibri"/>
+              </a:rPr>
+              <a:t> ,</a:t>
+            </a:r>
+            <a:endParaRPr sz="1500" dirty="0">
+              <a:solidFill>
+                <a:srgbClr val="526069"/>
+              </a:solidFill>
+              <a:latin typeface="Calibri"/>
+              <a:ea typeface="Calibri"/>
+              <a:cs typeface="Calibri"/>
+              <a:sym typeface="Calibri"/>
+            </a:endParaRPr>
+          </a:p>
+          <a:p>
+            <a:pPr>
               <a:lnSpc>
                 <a:spcPct val="107916"/>
               </a:lnSpc>
               <a:spcBef>
-                <a:spcPts val="0"/>
+                <a:spcPts val="800"/>
               </a:spcBef>
-              <a:spcAft>
-                <a:spcPts val="0"/>
-              </a:spcAft>
-              <a:buNone/>
             </a:pPr>
             <a:r>
               <a:rPr lang="ru-RU" sz="1500">
                 <a:solidFill>
                   <a:srgbClr val="526069"/>
                 </a:solidFill>
-                <a:latin typeface="Calibri" panose="020F0502020204030204" pitchFamily="34" charset="0"/>
+                <a:latin typeface="Calibri"/>
                 <a:ea typeface="Calibri"/>
-                <a:cs typeface="Calibri" panose="020F0502020204030204" pitchFamily="34" charset="0"/>
+                <a:cs typeface="Calibri"/>
                 <a:sym typeface="Calibri"/>
               </a:rPr>
-              <a:t>Для       	</a:t>
+              <a:t>который                     </a:t>
             </a:r>
             <a:r>
-              <a:rPr lang="ru-RU" sz="1500" b="1">
+              <a:rPr lang="ru-RU" sz="1500" b="1" dirty="0">
                 <a:solidFill>
                   <a:srgbClr val="526069"/>
                 </a:solidFill>
-                <a:latin typeface="Calibri" panose="020F0502020204030204" pitchFamily="34" charset="0"/>
+                <a:latin typeface="Calibri"/>
                 <a:ea typeface="Calibri"/>
-                <a:cs typeface="Calibri" panose="020F0502020204030204" pitchFamily="34" charset="0"/>
+                <a:cs typeface="Calibri"/>
                 <a:sym typeface="Calibri"/>
               </a:rPr>
-              <a:t> [ключевого пользователя]</a:t>
+              <a:t>изучают океан</a:t>
             </a:r>
             <a:r>
-              <a:rPr lang="ru-RU" sz="1500">
+              <a:rPr lang="ru-RU" sz="1500" dirty="0">
                 <a:solidFill>
                   <a:srgbClr val="526069"/>
                 </a:solidFill>
-                <a:latin typeface="Calibri" panose="020F0502020204030204" pitchFamily="34" charset="0"/>
+                <a:latin typeface="Calibri"/>
                 <a:ea typeface="Calibri"/>
-                <a:cs typeface="Calibri" panose="020F0502020204030204" pitchFamily="34" charset="0"/>
+                <a:cs typeface="Calibri"/>
                 <a:sym typeface="Calibri"/>
               </a:rPr>
-              <a:t> ,</a:t>
+              <a:t>,</a:t>
             </a:r>
-            <a:endParaRPr sz="1500">
+            <a:endParaRPr sz="1500" dirty="0">
               <a:solidFill>
                 <a:srgbClr val="526069"/>
               </a:solidFill>
@@ -10578,55 +10491,39 @@
             </a:endParaRPr>
           </a:p>
           <a:p>
-            <a:pPr marL="0" lvl="0" indent="0" algn="l" rtl="0">
+            <a:pPr>
               <a:lnSpc>
                 <a:spcPct val="107916"/>
               </a:lnSpc>
               <a:spcBef>
                 <a:spcPts val="800"/>
               </a:spcBef>
-              <a:spcAft>
-                <a:spcPts val="0"/>
-              </a:spcAft>
-              <a:buNone/>
             </a:pPr>
             <a:r>
-              <a:rPr lang="ru-RU" sz="1500">
+              <a:rPr lang="ru-RU" sz="1500" dirty="0">
                 <a:solidFill>
                   <a:srgbClr val="526069"/>
                 </a:solidFill>
-                <a:latin typeface="Calibri" panose="020F0502020204030204" pitchFamily="34" charset="0"/>
+                <a:latin typeface="Calibri"/>
                 <a:ea typeface="Calibri"/>
-                <a:cs typeface="Calibri" panose="020F0502020204030204" pitchFamily="34" charset="0"/>
+                <a:cs typeface="Calibri"/>
                 <a:sym typeface="Calibri"/>
               </a:rPr>
-              <a:t>который 	</a:t>
+              <a:t>наш                             </a:t>
             </a:r>
             <a:r>
-              <a:rPr lang="ru-RU" sz="1500" b="1">
+              <a:rPr lang="ru-RU" sz="1500" b="1" dirty="0">
                 <a:solidFill>
                   <a:srgbClr val="526069"/>
                 </a:solidFill>
-                <a:latin typeface="Calibri" panose="020F0502020204030204" pitchFamily="34" charset="0"/>
+                <a:latin typeface="Calibri"/>
                 <a:ea typeface="Calibri"/>
-                <a:cs typeface="Calibri" panose="020F0502020204030204" pitchFamily="34" charset="0"/>
+                <a:cs typeface="Calibri"/>
                 <a:sym typeface="Calibri"/>
               </a:rPr>
-              <a:t>[имеет проблемы или возможности]</a:t>
+              <a:t>дрон</a:t>
             </a:r>
-            <a:r>
-              <a:rPr lang="ru-RU" sz="1500">
-                <a:solidFill>
-                  <a:srgbClr val="526069"/>
-                </a:solidFill>
-                <a:latin typeface="Calibri" panose="020F0502020204030204" pitchFamily="34" charset="0"/>
-                <a:ea typeface="Calibri"/>
-                <a:cs typeface="Calibri" panose="020F0502020204030204" pitchFamily="34" charset="0"/>
-                <a:sym typeface="Calibri"/>
-              </a:rPr>
-              <a:t>,</a:t>
-            </a:r>
-            <a:endParaRPr sz="1500">
+            <a:endParaRPr sz="1500" b="1" dirty="0">
               <a:solidFill>
                 <a:srgbClr val="526069"/>
               </a:solidFill>
@@ -10637,55 +10534,51 @@
             </a:endParaRPr>
           </a:p>
           <a:p>
-            <a:pPr marL="0" lvl="0" indent="0" algn="l" rtl="0">
+            <a:pPr>
               <a:lnSpc>
                 <a:spcPct val="107916"/>
               </a:lnSpc>
               <a:spcBef>
                 <a:spcPts val="800"/>
               </a:spcBef>
-              <a:spcAft>
-                <a:spcPts val="0"/>
-              </a:spcAft>
-              <a:buNone/>
             </a:pPr>
             <a:r>
-              <a:rPr lang="ru-RU" sz="1500">
+              <a:rPr lang="ru-RU" sz="1500" dirty="0">
                 <a:solidFill>
                   <a:srgbClr val="526069"/>
                 </a:solidFill>
-                <a:latin typeface="Calibri" panose="020F0502020204030204" pitchFamily="34" charset="0"/>
+                <a:latin typeface="Calibri"/>
                 <a:ea typeface="Calibri"/>
-                <a:cs typeface="Calibri" panose="020F0502020204030204" pitchFamily="34" charset="0"/>
+                <a:cs typeface="Calibri"/>
                 <a:sym typeface="Calibri"/>
               </a:rPr>
-              <a:t>наше       	 </a:t>
+              <a:t>будет                          </a:t>
             </a:r>
             <a:r>
-              <a:rPr lang="ru-RU" sz="1500" b="1">
+              <a:rPr lang="ru-RU" sz="1500" b="1" dirty="0">
                 <a:solidFill>
                   <a:srgbClr val="526069"/>
                 </a:solidFill>
-                <a:latin typeface="Calibri" panose="020F0502020204030204" pitchFamily="34" charset="0"/>
+                <a:latin typeface="Calibri"/>
                 <a:ea typeface="Calibri"/>
-                <a:cs typeface="Calibri" panose="020F0502020204030204" pitchFamily="34" charset="0"/>
+                <a:cs typeface="Calibri"/>
                 <a:sym typeface="Calibri"/>
               </a:rPr>
-              <a:t>[решение]</a:t>
+              <a:t>помогать изучать дно океана и воду на различной глубине</a:t>
             </a:r>
             <a:r>
-              <a:rPr lang="ru-RU" sz="1500">
+              <a:rPr lang="ru-RU" sz="1500" dirty="0">
                 <a:solidFill>
                   <a:srgbClr val="526069"/>
                 </a:solidFill>
-                <a:latin typeface="Calibri" panose="020F0502020204030204" pitchFamily="34" charset="0"/>
+                <a:latin typeface="Calibri"/>
                 <a:ea typeface="Calibri"/>
-                <a:cs typeface="Calibri" panose="020F0502020204030204" pitchFamily="34" charset="0"/>
+                <a:cs typeface="Calibri"/>
                 <a:sym typeface="Calibri"/>
               </a:rPr>
-              <a:t> </a:t>
+              <a:t>, </a:t>
             </a:r>
-            <a:endParaRPr sz="1500">
+            <a:endParaRPr sz="1500" dirty="0">
               <a:solidFill>
                 <a:srgbClr val="526069"/>
               </a:solidFill>
@@ -10696,55 +10589,39 @@
             </a:endParaRPr>
           </a:p>
           <a:p>
-            <a:pPr marL="0" lvl="0" indent="0" algn="l" rtl="0">
+            <a:pPr>
               <a:lnSpc>
                 <a:spcPct val="107916"/>
               </a:lnSpc>
               <a:spcBef>
                 <a:spcPts val="800"/>
               </a:spcBef>
-              <a:spcAft>
-                <a:spcPts val="0"/>
-              </a:spcAft>
-              <a:buNone/>
             </a:pPr>
             <a:r>
-              <a:rPr lang="ru-RU" sz="1500">
+              <a:rPr lang="ru-RU" sz="1500" dirty="0">
                 <a:solidFill>
                   <a:srgbClr val="526069"/>
                 </a:solidFill>
-                <a:latin typeface="Calibri" panose="020F0502020204030204" pitchFamily="34" charset="0"/>
+                <a:latin typeface="Calibri"/>
                 <a:ea typeface="Calibri"/>
-                <a:cs typeface="Calibri" panose="020F0502020204030204" pitchFamily="34" charset="0"/>
+                <a:cs typeface="Calibri"/>
                 <a:sym typeface="Calibri"/>
               </a:rPr>
-              <a:t>будет     	 </a:t>
+              <a:t>и в отличие от </a:t>
             </a:r>
             <a:r>
-              <a:rPr lang="ru-RU" sz="1500" b="1">
+              <a:rPr lang="ru-RU" sz="1500" b="1" dirty="0">
                 <a:solidFill>
                   <a:srgbClr val="526069"/>
                 </a:solidFill>
-                <a:latin typeface="Calibri" panose="020F0502020204030204" pitchFamily="34" charset="0"/>
+                <a:latin typeface="Calibri"/>
                 <a:ea typeface="Calibri"/>
-                <a:cs typeface="Calibri" panose="020F0502020204030204" pitchFamily="34" charset="0"/>
+                <a:cs typeface="Calibri"/>
                 <a:sym typeface="Calibri"/>
               </a:rPr>
-              <a:t>[выполнять главную функцию, причину для покупки]</a:t>
+              <a:t>         конкурентов </a:t>
             </a:r>
-            <a:r>
-              <a:rPr lang="ru-RU" sz="1500">
-                <a:solidFill>
-                  <a:srgbClr val="526069"/>
-                </a:solidFill>
-                <a:latin typeface="Calibri" panose="020F0502020204030204" pitchFamily="34" charset="0"/>
-                <a:ea typeface="Calibri"/>
-                <a:cs typeface="Calibri" panose="020F0502020204030204" pitchFamily="34" charset="0"/>
-                <a:sym typeface="Calibri"/>
-              </a:rPr>
-              <a:t>, </a:t>
-            </a:r>
-            <a:endParaRPr sz="1500">
+            <a:endParaRPr sz="1500" b="1" dirty="0">
               <a:solidFill>
                 <a:srgbClr val="526069"/>
               </a:solidFill>
@@ -10755,54 +10632,7 @@
             </a:endParaRPr>
           </a:p>
           <a:p>
-            <a:pPr marL="0" lvl="0" indent="0" algn="l" rtl="0">
-              <a:lnSpc>
-                <a:spcPct val="107916"/>
-              </a:lnSpc>
-              <a:spcBef>
-                <a:spcPts val="800"/>
-              </a:spcBef>
-              <a:spcAft>
-                <a:spcPts val="0"/>
-              </a:spcAft>
-              <a:buNone/>
-            </a:pPr>
-            <a:r>
-              <a:rPr lang="ru-RU" sz="1500">
-                <a:solidFill>
-                  <a:srgbClr val="526069"/>
-                </a:solidFill>
-                <a:latin typeface="Calibri" panose="020F0502020204030204" pitchFamily="34" charset="0"/>
-                <a:ea typeface="Calibri"/>
-                <a:cs typeface="Calibri" panose="020F0502020204030204" pitchFamily="34" charset="0"/>
-                <a:sym typeface="Calibri"/>
-              </a:rPr>
-              <a:t>и в отличие от </a:t>
-            </a:r>
-            <a:r>
-              <a:rPr lang="ru-RU" sz="1500" b="1">
-                <a:solidFill>
-                  <a:srgbClr val="526069"/>
-                </a:solidFill>
-                <a:latin typeface="Calibri" panose="020F0502020204030204" pitchFamily="34" charset="0"/>
-                <a:ea typeface="Calibri"/>
-                <a:cs typeface="Calibri" panose="020F0502020204030204" pitchFamily="34" charset="0"/>
-                <a:sym typeface="Calibri"/>
-              </a:rPr>
-              <a:t>  [конкурентов и аналогов]</a:t>
-            </a:r>
-            <a:endParaRPr sz="1500" b="1">
-              <a:solidFill>
-                <a:srgbClr val="526069"/>
-              </a:solidFill>
-              <a:latin typeface="Calibri" panose="020F0502020204030204" pitchFamily="34" charset="0"/>
-              <a:ea typeface="Calibri"/>
-              <a:cs typeface="Calibri" panose="020F0502020204030204" pitchFamily="34" charset="0"/>
-              <a:sym typeface="Calibri"/>
-            </a:endParaRPr>
-          </a:p>
-          <a:p>
-            <a:pPr marL="0" lvl="0" indent="0" algn="l" rtl="0">
+            <a:pPr>
               <a:lnSpc>
                 <a:spcPct val="107916"/>
               </a:lnSpc>
@@ -10812,40 +10642,38 @@
               <a:spcAft>
                 <a:spcPts val="800"/>
               </a:spcAft>
-              <a:buNone/>
             </a:pPr>
             <a:r>
-              <a:rPr lang="ru-RU" sz="1500">
+              <a:rPr lang="ru-RU" sz="1500" dirty="0">
                 <a:solidFill>
                   <a:srgbClr val="526069"/>
                 </a:solidFill>
-                <a:latin typeface="Calibri" panose="020F0502020204030204" pitchFamily="34" charset="0"/>
+                <a:latin typeface="Calibri"/>
                 <a:ea typeface="Calibri"/>
-                <a:cs typeface="Calibri" panose="020F0502020204030204" pitchFamily="34" charset="0"/>
+                <a:cs typeface="Calibri"/>
                 <a:sym typeface="Calibri"/>
               </a:rPr>
-              <a:t>будет иметь      </a:t>
+              <a:t>будет             </a:t>
             </a:r>
             <a:r>
-              <a:rPr lang="ru-RU" sz="1500" b="1">
+              <a:rPr lang="ru-RU" sz="1500" b="1" dirty="0">
                 <a:solidFill>
                   <a:srgbClr val="526069"/>
                 </a:solidFill>
-                <a:latin typeface="Calibri" panose="020F0502020204030204" pitchFamily="34" charset="0"/>
+                <a:latin typeface="Calibri"/>
                 <a:ea typeface="Calibri"/>
-                <a:cs typeface="Calibri" panose="020F0502020204030204" pitchFamily="34" charset="0"/>
+                <a:cs typeface="Calibri"/>
                 <a:sym typeface="Calibri"/>
               </a:rPr>
-              <a:t> [ключевые конкурентные преимущества]</a:t>
+              <a:t>             дешевым и модульным</a:t>
             </a:r>
-            <a:endParaRPr sz="1500" b="1">
+            <a:endParaRPr lang="ru-RU" sz="1500" b="1" dirty="0">
               <a:solidFill>
                 <a:srgbClr val="526069"/>
               </a:solidFill>
               <a:latin typeface="Calibri" panose="020F0502020204030204" pitchFamily="34" charset="0"/>
               <a:ea typeface="Calibri"/>
               <a:cs typeface="Calibri" panose="020F0502020204030204" pitchFamily="34" charset="0"/>
-              <a:sym typeface="Calibri"/>
             </a:endParaRPr>
           </a:p>
         </p:txBody>

--- a/documents/entity/4_Образ_проекта.pptx
+++ b/documents/entity/4_Образ_проекта.pptx
@@ -16,6 +16,20 @@
   </p:sldIdLst>
   <p:sldSz cx="12192000" cy="6858000"/>
   <p:notesSz cx="6858000" cy="9144000"/>
+  <p:embeddedFontLst>
+    <p:embeddedFont>
+      <p:font typeface="Calibri Light" panose="020F0302020204030204" pitchFamily="34" charset="0"/>
+      <p:regular r:id="rId8"/>
+      <p:italic r:id="rId9"/>
+    </p:embeddedFont>
+    <p:embeddedFont>
+      <p:font typeface="Calibri" panose="020F0502020204030204" pitchFamily="34" charset="0"/>
+      <p:regular r:id="rId10"/>
+      <p:bold r:id="rId11"/>
+      <p:italic r:id="rId12"/>
+      <p:boldItalic r:id="rId13"/>
+    </p:embeddedFont>
+  </p:embeddedFontLst>
   <p:defaultTextStyle>
     <a:defPPr>
       <a:defRPr lang="ru-RU"/>
@@ -127,7 +141,7 @@
       </p15:sldGuideLst>
     </p:ext>
     <p:ext uri="http://customooxmlschemas.google.com/">
-      <go:slidesCustomData xmlns:go="http://customooxmlschemas.google.com/" xmlns:ahyp="http://schemas.microsoft.com/office/drawing/2018/hyperlinkcolor" xmlns:p15="http://schemas.microsoft.com/office/powerpoint/2012/main" xmlns:p14="http://schemas.microsoft.com/office/powerpoint/2010/main" xmlns:com="http://schemas.openxmlformats.org/drawingml/2006/compatibility" xmlns:pvml="urn:schemas-microsoft-com:office:powerpoint" xmlns:v="urn:schemas-microsoft-com:vml" xmlns:o="urn:schemas-microsoft-com:office:office" xmlns:dgm="http://schemas.openxmlformats.org/drawingml/2006/diagram" xmlns:c="http://schemas.openxmlformats.org/drawingml/2006/chart" xmlns:mv="urn:schemas-microsoft-com:mac:vml" xmlns:mc="http://schemas.openxmlformats.org/markup-compatibility/2006" xmlns="" r:id="rId33" roundtripDataSignature="AMtx7mhfSfgCuftyKxv2tVGrv4lS9nVnVg=="/>
+      <go:slidesCustomData xmlns="" xmlns:mc="http://schemas.openxmlformats.org/markup-compatibility/2006" xmlns:mv="urn:schemas-microsoft-com:mac:vml" xmlns:c="http://schemas.openxmlformats.org/drawingml/2006/chart" xmlns:dgm="http://schemas.openxmlformats.org/drawingml/2006/diagram" xmlns:o="urn:schemas-microsoft-com:office:office" xmlns:v="urn:schemas-microsoft-com:vml" xmlns:pvml="urn:schemas-microsoft-com:office:powerpoint" xmlns:com="http://schemas.openxmlformats.org/drawingml/2006/compatibility" xmlns:p14="http://schemas.microsoft.com/office/powerpoint/2010/main" xmlns:p15="http://schemas.microsoft.com/office/powerpoint/2012/main" xmlns:ahyp="http://schemas.microsoft.com/office/drawing/2018/hyperlinkcolor" xmlns:go="http://customooxmlschemas.google.com/" r:id="rId33" roundtripDataSignature="AMtx7mhfSfgCuftyKxv2tVGrv4lS9nVnVg=="/>
     </p:ext>
   </p:extLst>
 </p:presentation>
@@ -1259,7 +1273,7 @@
           <a:p>
             <a:fld id="{1E351CED-465B-40B5-ADCE-957C918F227B}" type="datetimeFigureOut">
               <a:rPr lang="en-US" smtClean="0"/>
-              <a:t>2/25/2024</a:t>
+              <a:t>2/27/2024</a:t>
             </a:fld>
             <a:endParaRPr lang="en-US"/>
           </a:p>
@@ -1458,7 +1472,7 @@
           <a:p>
             <a:fld id="{1E351CED-465B-40B5-ADCE-957C918F227B}" type="datetimeFigureOut">
               <a:rPr lang="en-US" smtClean="0"/>
-              <a:t>2/25/2024</a:t>
+              <a:t>2/27/2024</a:t>
             </a:fld>
             <a:endParaRPr lang="en-US"/>
           </a:p>
@@ -1667,7 +1681,7 @@
           <a:p>
             <a:fld id="{1E351CED-465B-40B5-ADCE-957C918F227B}" type="datetimeFigureOut">
               <a:rPr lang="en-US" smtClean="0"/>
-              <a:t>2/25/2024</a:t>
+              <a:t>2/27/2024</a:t>
             </a:fld>
             <a:endParaRPr lang="en-US"/>
           </a:p>
@@ -1852,7 +1866,7 @@
           <a:blip r:embed="rId3">
             <a:extLst>
               <a:ext uri="{96DAC541-7B7A-43D3-8B79-37D633B846F1}">
-                <asvg:svgBlip xmlns:asvg="http://schemas.microsoft.com/office/drawing/2016/SVG/main" r:embed="rId4"/>
+                <asvg:svgBlip xmlns:asvg="http://schemas.microsoft.com/office/drawing/2016/SVG/main" xmlns="" r:embed="rId4"/>
               </a:ext>
             </a:extLst>
           </a:blip>
@@ -2024,7 +2038,7 @@
           <a:p>
             <a:fld id="{1E351CED-465B-40B5-ADCE-957C918F227B}" type="datetimeFigureOut">
               <a:rPr lang="en-US" smtClean="0"/>
-              <a:t>2/25/2024</a:t>
+              <a:t>2/27/2024</a:t>
             </a:fld>
             <a:endParaRPr lang="en-US"/>
           </a:p>
@@ -2300,7 +2314,7 @@
           <a:p>
             <a:fld id="{1E351CED-465B-40B5-ADCE-957C918F227B}" type="datetimeFigureOut">
               <a:rPr lang="en-US" smtClean="0"/>
-              <a:t>2/25/2024</a:t>
+              <a:t>2/27/2024</a:t>
             </a:fld>
             <a:endParaRPr lang="en-US"/>
           </a:p>
@@ -2566,7 +2580,7 @@
           <a:p>
             <a:fld id="{1E351CED-465B-40B5-ADCE-957C918F227B}" type="datetimeFigureOut">
               <a:rPr lang="en-US" smtClean="0"/>
-              <a:t>2/25/2024</a:t>
+              <a:t>2/27/2024</a:t>
             </a:fld>
             <a:endParaRPr lang="en-US"/>
           </a:p>
@@ -2979,7 +2993,7 @@
           <a:p>
             <a:fld id="{1E351CED-465B-40B5-ADCE-957C918F227B}" type="datetimeFigureOut">
               <a:rPr lang="en-US" smtClean="0"/>
-              <a:t>2/25/2024</a:t>
+              <a:t>2/27/2024</a:t>
             </a:fld>
             <a:endParaRPr lang="en-US"/>
           </a:p>
@@ -3121,7 +3135,7 @@
           <a:p>
             <a:fld id="{1E351CED-465B-40B5-ADCE-957C918F227B}" type="datetimeFigureOut">
               <a:rPr lang="en-US" smtClean="0"/>
-              <a:t>2/25/2024</a:t>
+              <a:t>2/27/2024</a:t>
             </a:fld>
             <a:endParaRPr lang="en-US"/>
           </a:p>
@@ -3234,7 +3248,7 @@
           <a:p>
             <a:fld id="{1E351CED-465B-40B5-ADCE-957C918F227B}" type="datetimeFigureOut">
               <a:rPr lang="en-US" smtClean="0"/>
-              <a:t>2/25/2024</a:t>
+              <a:t>2/27/2024</a:t>
             </a:fld>
             <a:endParaRPr lang="en-US"/>
           </a:p>
@@ -3546,7 +3560,7 @@
           <a:p>
             <a:fld id="{1E351CED-465B-40B5-ADCE-957C918F227B}" type="datetimeFigureOut">
               <a:rPr lang="en-US" smtClean="0"/>
-              <a:t>2/25/2024</a:t>
+              <a:t>2/27/2024</a:t>
             </a:fld>
             <a:endParaRPr lang="en-US"/>
           </a:p>
@@ -3835,7 +3849,7 @@
           <a:p>
             <a:fld id="{1E351CED-465B-40B5-ADCE-957C918F227B}" type="datetimeFigureOut">
               <a:rPr lang="en-US" smtClean="0"/>
-              <a:t>2/25/2024</a:t>
+              <a:t>2/27/2024</a:t>
             </a:fld>
             <a:endParaRPr lang="en-US"/>
           </a:p>
@@ -4077,7 +4091,7 @@
           <a:p>
             <a:fld id="{1E351CED-465B-40B5-ADCE-957C918F227B}" type="datetimeFigureOut">
               <a:rPr lang="en-US" smtClean="0"/>
-              <a:t>2/25/2024</a:t>
+              <a:t>2/27/2024</a:t>
             </a:fld>
             <a:endParaRPr lang="en-US"/>
           </a:p>
@@ -4705,7 +4719,7 @@
           <p:nvPr>
             <p:extLst>
               <p:ext uri="{D42A27DB-BD31-4B8C-83A1-F6EECF244321}">
-                <p14:modId xmlns:p14="http://schemas.microsoft.com/office/powerpoint/2010/main" val="3010496547"/>
+                <p14:modId xmlns:p14="http://schemas.microsoft.com/office/powerpoint/2010/main" val="3436467564"/>
               </p:ext>
             </p:extLst>
           </p:nvPr>
@@ -4891,7 +4905,7 @@
                         <a:buNone/>
                       </a:pPr>
                       <a:r>
-                        <a:rPr lang="ru-RU" sz="1200" b="1">
+                        <a:rPr lang="ru-RU" sz="1200" b="1" dirty="0">
                           <a:latin typeface="+mn-lt"/>
                           <a:ea typeface="Times New Roman"/>
                           <a:cs typeface="Times New Roman"/>
@@ -4900,15 +4914,24 @@
                         <a:t>Дата составления: </a:t>
                       </a:r>
                       <a:r>
-                        <a:rPr lang="ru-RU" sz="1200">
+                        <a:rPr lang="ru-RU" sz="1200" b="0" dirty="0" smtClean="0">
                           <a:latin typeface="+mn-lt"/>
                           <a:ea typeface="Times New Roman"/>
                           <a:cs typeface="Times New Roman"/>
                           <a:sym typeface="Times New Roman"/>
                         </a:rPr>
-                        <a:t>__.__.2024</a:t>
+                        <a:t>27</a:t>
                       </a:r>
-                      <a:endParaRPr sz="1200">
+                      <a:r>
+                        <a:rPr lang="ru-RU" sz="1200" dirty="0" smtClean="0">
+                          <a:latin typeface="+mn-lt"/>
+                          <a:ea typeface="Times New Roman"/>
+                          <a:cs typeface="Times New Roman"/>
+                          <a:sym typeface="Times New Roman"/>
+                        </a:rPr>
+                        <a:t>.02.2024</a:t>
+                      </a:r>
+                      <a:endParaRPr sz="1200" dirty="0">
                         <a:latin typeface="+mn-lt"/>
                         <a:ea typeface="Times New Roman"/>
                         <a:cs typeface="Times New Roman"/>
@@ -5180,7 +5203,7 @@
                         <a:buNone/>
                       </a:pPr>
                       <a:r>
-                        <a:rPr lang="ru-RU" sz="1200" b="1" i="0" u="none" strike="noStrike" cap="none" dirty="0">
+                        <a:rPr lang="ru-RU" sz="1200" b="1" i="0" u="none" strike="noStrike" cap="none" dirty="0" smtClean="0">
                           <a:solidFill>
                             <a:srgbClr val="000000"/>
                           </a:solidFill>
@@ -5191,7 +5214,7 @@
                         </a:rPr>
                         <a:t>Целевая аудитория / боли:</a:t>
                       </a:r>
-                      <a:endParaRPr lang="ru-RU" sz="1200" b="0" i="0" u="none" strike="noStrike" cap="none" dirty="0">
+                      <a:endParaRPr lang="ru-RU" sz="1200" b="0" i="0" u="none" strike="noStrike" cap="none" dirty="0" smtClean="0">
                         <a:solidFill>
                           <a:srgbClr val="000000"/>
                         </a:solidFill>
@@ -5222,7 +5245,7 @@
                         <a:defRPr/>
                       </a:pPr>
                       <a:r>
-                        <a:rPr lang="ru-RU" sz="1200" b="0" i="0" u="none" strike="noStrike" cap="none" dirty="0">
+                        <a:rPr lang="ru-RU" sz="1200" b="0" i="0" u="none" strike="noStrike" cap="none" dirty="0" smtClean="0">
                           <a:solidFill>
                             <a:srgbClr val="000000"/>
                           </a:solidFill>
@@ -5231,8 +5254,17 @@
                           <a:cs typeface="Times New Roman"/>
                           <a:sym typeface="Times New Roman"/>
                         </a:rPr>
-                        <a:t> Создание автоматизированного робота для сбора проб воды и донного грунта с целью упрощения и ускорения этапа сбора образцов в экологических и геологических исследованиях.</a:t>
+                        <a:t> Исследовательские организации, экологические лаборатории, геологические институты, компании занимающиеся мониторингом окружающей среды, ученые и специалисты в области экологии и геологии.</a:t>
                       </a:r>
+                      <a:endParaRPr lang="ru-RU" sz="1200" b="0" i="0" u="none" strike="noStrike" cap="none" dirty="0">
+                        <a:solidFill>
+                          <a:srgbClr val="000000"/>
+                        </a:solidFill>
+                        <a:latin typeface="+mn-lt"/>
+                        <a:ea typeface="Times New Roman"/>
+                        <a:cs typeface="Times New Roman"/>
+                        <a:sym typeface="Times New Roman"/>
+                      </a:endParaRPr>
                     </a:p>
                   </a:txBody>
                   <a:tcPr marL="68575" marR="68575" marT="91425" marB="91425">
